--- a/personna_scenario/personnas.pptx
+++ b/personna_scenario/personnas.pptx
@@ -8,8 +8,8 @@
     <p:notesMasterId r:id="rId4"/>
   </p:notesMasterIdLst>
   <p:sldIdLst>
-    <p:sldId id="258" r:id="rId2"/>
-    <p:sldId id="257" r:id="rId3"/>
+    <p:sldId id="257" r:id="rId2"/>
+    <p:sldId id="258" r:id="rId3"/>
   </p:sldIdLst>
   <p:sldSz cx="12192000" cy="5580063"/>
   <p:notesSz cx="6858000" cy="9144000"/>
@@ -198,7 +198,7 @@
           <a:p>
             <a:fld id="{6248EE26-D2EC-4A83-8359-4144F787F114}" type="datetimeFigureOut">
               <a:rPr lang="fr-FR" smtClean="0"/>
-              <a:t>15/03/2019</a:t>
+              <a:t>14/05/2019</a:t>
             </a:fld>
             <a:endParaRPr lang="fr-FR"/>
           </a:p>
@@ -535,7 +535,7 @@
           <a:p>
             <a:fld id="{CA78C67C-046C-4A67-BAE9-AB57C3659C1D}" type="slidenum">
               <a:rPr lang="fr-FR" smtClean="0"/>
-              <a:t>2</a:t>
+              <a:t>1</a:t>
             </a:fld>
             <a:endParaRPr lang="fr-FR"/>
           </a:p>
@@ -545,6 +545,90 @@
     <p:extLst>
       <p:ext uri="{BB962C8B-B14F-4D97-AF65-F5344CB8AC3E}">
         <p14:creationId xmlns:p14="http://schemas.microsoft.com/office/powerpoint/2010/main" val="2544790960"/>
+      </p:ext>
+    </p:extLst>
+  </p:cSld>
+  <p:clrMapOvr>
+    <a:masterClrMapping/>
+  </p:clrMapOvr>
+</p:notes>
+</file>
+
+<file path=ppt/notesSlides/notesSlide2.xml><?xml version="1.0" encoding="utf-8"?>
+<p:notes xmlns:a="http://schemas.openxmlformats.org/drawingml/2006/main" xmlns:r="http://schemas.openxmlformats.org/officeDocument/2006/relationships" xmlns:p="http://schemas.openxmlformats.org/presentationml/2006/main">
+  <p:cSld>
+    <p:spTree>
+      <p:nvGrpSpPr>
+        <p:cNvPr id="1" name=""/>
+        <p:cNvGrpSpPr/>
+        <p:nvPr/>
+      </p:nvGrpSpPr>
+      <p:grpSpPr>
+        <a:xfrm>
+          <a:off x="0" y="0"/>
+          <a:ext cx="0" cy="0"/>
+          <a:chOff x="0" y="0"/>
+          <a:chExt cx="0" cy="0"/>
+        </a:xfrm>
+      </p:grpSpPr>
+      <p:sp>
+        <p:nvSpPr>
+          <p:cNvPr id="2" name="Espace réservé de l'image des diapositives 1"/>
+          <p:cNvSpPr>
+            <a:spLocks noGrp="1" noRot="1" noChangeAspect="1"/>
+          </p:cNvSpPr>
+          <p:nvPr>
+            <p:ph type="sldImg"/>
+          </p:nvPr>
+        </p:nvSpPr>
+        <p:spPr/>
+      </p:sp>
+      <p:sp>
+        <p:nvSpPr>
+          <p:cNvPr id="3" name="Espace réservé des notes 2"/>
+          <p:cNvSpPr>
+            <a:spLocks noGrp="1"/>
+          </p:cNvSpPr>
+          <p:nvPr>
+            <p:ph type="body" idx="1"/>
+          </p:nvPr>
+        </p:nvSpPr>
+        <p:spPr/>
+        <p:txBody>
+          <a:bodyPr/>
+          <a:lstStyle/>
+          <a:p>
+            <a:endParaRPr lang="fr-FR" dirty="0"/>
+          </a:p>
+        </p:txBody>
+      </p:sp>
+      <p:sp>
+        <p:nvSpPr>
+          <p:cNvPr id="4" name="Espace réservé du numéro de diapositive 3"/>
+          <p:cNvSpPr>
+            <a:spLocks noGrp="1"/>
+          </p:cNvSpPr>
+          <p:nvPr>
+            <p:ph type="sldNum" sz="quarter" idx="5"/>
+          </p:nvPr>
+        </p:nvSpPr>
+        <p:spPr/>
+        <p:txBody>
+          <a:bodyPr/>
+          <a:lstStyle/>
+          <a:p>
+            <a:fld id="{CA78C67C-046C-4A67-BAE9-AB57C3659C1D}" type="slidenum">
+              <a:rPr lang="fr-FR" smtClean="0"/>
+              <a:t>2</a:t>
+            </a:fld>
+            <a:endParaRPr lang="fr-FR"/>
+          </a:p>
+        </p:txBody>
+      </p:sp>
+    </p:spTree>
+    <p:extLst>
+      <p:ext uri="{BB962C8B-B14F-4D97-AF65-F5344CB8AC3E}">
+        <p14:creationId xmlns:p14="http://schemas.microsoft.com/office/powerpoint/2010/main" val="2940592313"/>
       </p:ext>
     </p:extLst>
   </p:cSld>
@@ -685,7 +769,7 @@
           <a:p>
             <a:fld id="{046F2F55-58C1-46D0-86CA-DC60BF0775EE}" type="datetimeFigureOut">
               <a:rPr lang="fr-FR" smtClean="0"/>
-              <a:t>15/03/2019</a:t>
+              <a:t>14/05/2019</a:t>
             </a:fld>
             <a:endParaRPr lang="fr-FR"/>
           </a:p>
@@ -855,7 +939,7 @@
           <a:p>
             <a:fld id="{046F2F55-58C1-46D0-86CA-DC60BF0775EE}" type="datetimeFigureOut">
               <a:rPr lang="fr-FR" smtClean="0"/>
-              <a:t>15/03/2019</a:t>
+              <a:t>14/05/2019</a:t>
             </a:fld>
             <a:endParaRPr lang="fr-FR"/>
           </a:p>
@@ -1035,7 +1119,7 @@
           <a:p>
             <a:fld id="{046F2F55-58C1-46D0-86CA-DC60BF0775EE}" type="datetimeFigureOut">
               <a:rPr lang="fr-FR" smtClean="0"/>
-              <a:t>15/03/2019</a:t>
+              <a:t>14/05/2019</a:t>
             </a:fld>
             <a:endParaRPr lang="fr-FR"/>
           </a:p>
@@ -1205,7 +1289,7 @@
           <a:p>
             <a:fld id="{046F2F55-58C1-46D0-86CA-DC60BF0775EE}" type="datetimeFigureOut">
               <a:rPr lang="fr-FR" smtClean="0"/>
-              <a:t>15/03/2019</a:t>
+              <a:t>14/05/2019</a:t>
             </a:fld>
             <a:endParaRPr lang="fr-FR"/>
           </a:p>
@@ -1451,7 +1535,7 @@
           <a:p>
             <a:fld id="{046F2F55-58C1-46D0-86CA-DC60BF0775EE}" type="datetimeFigureOut">
               <a:rPr lang="fr-FR" smtClean="0"/>
-              <a:t>15/03/2019</a:t>
+              <a:t>14/05/2019</a:t>
             </a:fld>
             <a:endParaRPr lang="fr-FR"/>
           </a:p>
@@ -1683,7 +1767,7 @@
           <a:p>
             <a:fld id="{046F2F55-58C1-46D0-86CA-DC60BF0775EE}" type="datetimeFigureOut">
               <a:rPr lang="fr-FR" smtClean="0"/>
-              <a:t>15/03/2019</a:t>
+              <a:t>14/05/2019</a:t>
             </a:fld>
             <a:endParaRPr lang="fr-FR"/>
           </a:p>
@@ -2050,7 +2134,7 @@
           <a:p>
             <a:fld id="{046F2F55-58C1-46D0-86CA-DC60BF0775EE}" type="datetimeFigureOut">
               <a:rPr lang="fr-FR" smtClean="0"/>
-              <a:t>15/03/2019</a:t>
+              <a:t>14/05/2019</a:t>
             </a:fld>
             <a:endParaRPr lang="fr-FR"/>
           </a:p>
@@ -2168,7 +2252,7 @@
           <a:p>
             <a:fld id="{046F2F55-58C1-46D0-86CA-DC60BF0775EE}" type="datetimeFigureOut">
               <a:rPr lang="fr-FR" smtClean="0"/>
-              <a:t>15/03/2019</a:t>
+              <a:t>14/05/2019</a:t>
             </a:fld>
             <a:endParaRPr lang="fr-FR"/>
           </a:p>
@@ -2263,7 +2347,7 @@
           <a:p>
             <a:fld id="{046F2F55-58C1-46D0-86CA-DC60BF0775EE}" type="datetimeFigureOut">
               <a:rPr lang="fr-FR" smtClean="0"/>
-              <a:t>15/03/2019</a:t>
+              <a:t>14/05/2019</a:t>
             </a:fld>
             <a:endParaRPr lang="fr-FR"/>
           </a:p>
@@ -2540,7 +2624,7 @@
           <a:p>
             <a:fld id="{046F2F55-58C1-46D0-86CA-DC60BF0775EE}" type="datetimeFigureOut">
               <a:rPr lang="fr-FR" smtClean="0"/>
-              <a:t>15/03/2019</a:t>
+              <a:t>14/05/2019</a:t>
             </a:fld>
             <a:endParaRPr lang="fr-FR"/>
           </a:p>
@@ -2797,7 +2881,7 @@
           <a:p>
             <a:fld id="{046F2F55-58C1-46D0-86CA-DC60BF0775EE}" type="datetimeFigureOut">
               <a:rPr lang="fr-FR" smtClean="0"/>
-              <a:t>15/03/2019</a:t>
+              <a:t>14/05/2019</a:t>
             </a:fld>
             <a:endParaRPr lang="fr-FR"/>
           </a:p>
@@ -3010,7 +3094,7 @@
           <a:p>
             <a:fld id="{046F2F55-58C1-46D0-86CA-DC60BF0775EE}" type="datetimeFigureOut">
               <a:rPr lang="fr-FR" smtClean="0"/>
-              <a:t>15/03/2019</a:t>
+              <a:t>14/05/2019</a:t>
             </a:fld>
             <a:endParaRPr lang="fr-FR"/>
           </a:p>
@@ -3417,477 +3501,6 @@
       </p:grpSpPr>
       <p:sp>
         <p:nvSpPr>
-          <p:cNvPr id="4" name="Rectangle 3">
-            <a:extLst>
-              <a:ext uri="{FF2B5EF4-FFF2-40B4-BE49-F238E27FC236}">
-                <a16:creationId xmlns:a16="http://schemas.microsoft.com/office/drawing/2014/main" id="{0424E1FC-1C07-461E-952F-B0D86B727472}"/>
-              </a:ext>
-            </a:extLst>
-          </p:cNvPr>
-          <p:cNvSpPr/>
-          <p:nvPr/>
-        </p:nvSpPr>
-        <p:spPr>
-          <a:xfrm>
-            <a:off x="8214269" y="235525"/>
-            <a:ext cx="3710661" cy="5094539"/>
-          </a:xfrm>
-          <a:prstGeom prst="rect">
-            <a:avLst/>
-          </a:prstGeom>
-          <a:solidFill>
-            <a:schemeClr val="bg1">
-              <a:lumMod val="95000"/>
-            </a:schemeClr>
-          </a:solidFill>
-          <a:ln>
-            <a:noFill/>
-          </a:ln>
-        </p:spPr>
-        <p:style>
-          <a:lnRef idx="2">
-            <a:schemeClr val="accent1">
-              <a:shade val="50000"/>
-            </a:schemeClr>
-          </a:lnRef>
-          <a:fillRef idx="1">
-            <a:schemeClr val="accent1"/>
-          </a:fillRef>
-          <a:effectRef idx="0">
-            <a:schemeClr val="accent1"/>
-          </a:effectRef>
-          <a:fontRef idx="minor">
-            <a:schemeClr val="lt1"/>
-          </a:fontRef>
-        </p:style>
-        <p:txBody>
-          <a:bodyPr rtlCol="0" anchor="ctr"/>
-          <a:lstStyle/>
-          <a:p>
-            <a:pPr algn="ctr"/>
-            <a:endParaRPr lang="fr-FR"/>
-          </a:p>
-        </p:txBody>
-      </p:sp>
-      <p:pic>
-        <p:nvPicPr>
-          <p:cNvPr id="5" name="Image 4">
-            <a:extLst>
-              <a:ext uri="{FF2B5EF4-FFF2-40B4-BE49-F238E27FC236}">
-                <a16:creationId xmlns:a16="http://schemas.microsoft.com/office/drawing/2014/main" id="{E18F5917-7530-4FFC-9FB6-809C68A3CAF5}"/>
-              </a:ext>
-            </a:extLst>
-          </p:cNvPr>
-          <p:cNvPicPr>
-            <a:picLocks noChangeAspect="1"/>
-          </p:cNvPicPr>
-          <p:nvPr/>
-        </p:nvPicPr>
-        <p:blipFill>
-          <a:blip r:embed="rId2">
-            <a:extLst>
-              <a:ext uri="{28A0092B-C50C-407E-A947-70E740481C1C}">
-                <a14:useLocalDpi xmlns:a14="http://schemas.microsoft.com/office/drawing/2010/main" val="0"/>
-              </a:ext>
-            </a:extLst>
-          </a:blip>
-          <a:stretch>
-            <a:fillRect/>
-          </a:stretch>
-        </p:blipFill>
-        <p:spPr>
-          <a:xfrm>
-            <a:off x="267069" y="235525"/>
-            <a:ext cx="3310555" cy="5094539"/>
-          </a:xfrm>
-          <a:prstGeom prst="rect">
-            <a:avLst/>
-          </a:prstGeom>
-        </p:spPr>
-      </p:pic>
-      <p:sp>
-        <p:nvSpPr>
-          <p:cNvPr id="6" name="Titre 1">
-            <a:extLst>
-              <a:ext uri="{FF2B5EF4-FFF2-40B4-BE49-F238E27FC236}">
-                <a16:creationId xmlns:a16="http://schemas.microsoft.com/office/drawing/2014/main" id="{88F28153-99CB-4608-8C04-3CA7541CAD86}"/>
-              </a:ext>
-            </a:extLst>
-          </p:cNvPr>
-          <p:cNvSpPr txBox="1">
-            <a:spLocks/>
-          </p:cNvSpPr>
-          <p:nvPr/>
-        </p:nvSpPr>
-        <p:spPr>
-          <a:xfrm>
-            <a:off x="3656611" y="239889"/>
-            <a:ext cx="7837117" cy="714583"/>
-          </a:xfrm>
-          <a:prstGeom prst="rect">
-            <a:avLst/>
-          </a:prstGeom>
-        </p:spPr>
-        <p:txBody>
-          <a:bodyPr vert="horz" lIns="91440" tIns="45720" rIns="91440" bIns="45720" rtlCol="0" anchor="ctr">
-            <a:normAutofit fontScale="97500"/>
-          </a:bodyPr>
-          <a:lstStyle>
-            <a:lvl1pPr algn="l" defTabSz="816011" rtl="0" eaLnBrk="1" latinLnBrk="0" hangingPunct="1">
-              <a:lnSpc>
-                <a:spcPct val="90000"/>
-              </a:lnSpc>
-              <a:spcBef>
-                <a:spcPct val="0"/>
-              </a:spcBef>
-              <a:buNone/>
-              <a:defRPr sz="3927" kern="1200">
-                <a:solidFill>
-                  <a:schemeClr val="tx1"/>
-                </a:solidFill>
-                <a:latin typeface="+mj-lt"/>
-                <a:ea typeface="+mj-ea"/>
-                <a:cs typeface="+mj-cs"/>
-              </a:defRPr>
-            </a:lvl1pPr>
-          </a:lstStyle>
-          <a:p>
-            <a:r>
-              <a:rPr lang="fr-FR" sz="3600" dirty="0"/>
-              <a:t>Zaki</a:t>
-            </a:r>
-            <a:endParaRPr lang="fr-FR" sz="3800" dirty="0"/>
-          </a:p>
-        </p:txBody>
-      </p:sp>
-      <p:sp>
-        <p:nvSpPr>
-          <p:cNvPr id="7" name="Titre 1">
-            <a:extLst>
-              <a:ext uri="{FF2B5EF4-FFF2-40B4-BE49-F238E27FC236}">
-                <a16:creationId xmlns:a16="http://schemas.microsoft.com/office/drawing/2014/main" id="{E552DF65-B5EE-496E-9641-D5DF85E1E7AC}"/>
-              </a:ext>
-            </a:extLst>
-          </p:cNvPr>
-          <p:cNvSpPr txBox="1">
-            <a:spLocks/>
-          </p:cNvSpPr>
-          <p:nvPr/>
-        </p:nvSpPr>
-        <p:spPr>
-          <a:xfrm>
-            <a:off x="3668041" y="492274"/>
-            <a:ext cx="7837117" cy="714583"/>
-          </a:xfrm>
-          <a:prstGeom prst="rect">
-            <a:avLst/>
-          </a:prstGeom>
-        </p:spPr>
-        <p:txBody>
-          <a:bodyPr vert="horz" lIns="91440" tIns="45720" rIns="91440" bIns="45720" rtlCol="0" anchor="b">
-            <a:normAutofit fontScale="97500"/>
-          </a:bodyPr>
-          <a:lstStyle>
-            <a:lvl1pPr algn="ctr" defTabSz="816011" rtl="0" eaLnBrk="1" latinLnBrk="0" hangingPunct="1">
-              <a:lnSpc>
-                <a:spcPct val="90000"/>
-              </a:lnSpc>
-              <a:spcBef>
-                <a:spcPct val="0"/>
-              </a:spcBef>
-              <a:buNone/>
-              <a:defRPr sz="5354" kern="1200">
-                <a:solidFill>
-                  <a:schemeClr val="tx1"/>
-                </a:solidFill>
-                <a:latin typeface="+mj-lt"/>
-                <a:ea typeface="+mj-ea"/>
-                <a:cs typeface="+mj-cs"/>
-              </a:defRPr>
-            </a:lvl1pPr>
-          </a:lstStyle>
-          <a:p>
-            <a:pPr algn="l"/>
-            <a:r>
-              <a:rPr lang="fr-FR" sz="2400" dirty="0"/>
-              <a:t>Etudiant Si5 Spécialité IHM</a:t>
-            </a:r>
-          </a:p>
-        </p:txBody>
-      </p:sp>
-      <p:sp>
-        <p:nvSpPr>
-          <p:cNvPr id="8" name="ZoneTexte 7">
-            <a:extLst>
-              <a:ext uri="{FF2B5EF4-FFF2-40B4-BE49-F238E27FC236}">
-                <a16:creationId xmlns:a16="http://schemas.microsoft.com/office/drawing/2014/main" id="{219244D1-BD82-4C69-9DCB-7F9A082E2972}"/>
-              </a:ext>
-            </a:extLst>
-          </p:cNvPr>
-          <p:cNvSpPr txBox="1"/>
-          <p:nvPr/>
-        </p:nvSpPr>
-        <p:spPr>
-          <a:xfrm>
-            <a:off x="3668041" y="1241147"/>
-            <a:ext cx="4311039" cy="3139321"/>
-          </a:xfrm>
-          <a:prstGeom prst="rect">
-            <a:avLst/>
-          </a:prstGeom>
-          <a:noFill/>
-        </p:spPr>
-        <p:txBody>
-          <a:bodyPr wrap="square" rtlCol="0">
-            <a:spAutoFit/>
-          </a:bodyPr>
-          <a:lstStyle/>
-          <a:p>
-            <a:r>
-              <a:rPr lang="fr-FR" dirty="0"/>
-              <a:t>Besoins : </a:t>
-            </a:r>
-          </a:p>
-          <a:p>
-            <a:r>
-              <a:rPr lang="fr-FR" dirty="0"/>
-              <a:t>	- Trouver un stage à l’étranger de fin d’étude en Thaïlande.</a:t>
-            </a:r>
-          </a:p>
-          <a:p>
-            <a:endParaRPr lang="fr-FR" dirty="0"/>
-          </a:p>
-          <a:p>
-            <a:r>
-              <a:rPr lang="fr-FR" dirty="0"/>
-              <a:t>	- Il aimerait un stage dans le secteur du Backend.</a:t>
-            </a:r>
-          </a:p>
-          <a:p>
-            <a:endParaRPr lang="fr-FR" dirty="0"/>
-          </a:p>
-          <a:p>
-            <a:r>
-              <a:rPr lang="fr-FR" dirty="0"/>
-              <a:t>	- Savoir quels sont les étudiants qui sont déjà partis dans une entreprise, avoir leurs témoignages ainsi que pouvoir les contacter. </a:t>
-            </a:r>
-          </a:p>
-        </p:txBody>
-      </p:sp>
-      <p:pic>
-        <p:nvPicPr>
-          <p:cNvPr id="9" name="Image 8">
-            <a:extLst>
-              <a:ext uri="{FF2B5EF4-FFF2-40B4-BE49-F238E27FC236}">
-                <a16:creationId xmlns:a16="http://schemas.microsoft.com/office/drawing/2014/main" id="{13FAA078-C8B6-4A13-A4CA-C2092CEA517F}"/>
-              </a:ext>
-            </a:extLst>
-          </p:cNvPr>
-          <p:cNvPicPr>
-            <a:picLocks noChangeAspect="1"/>
-          </p:cNvPicPr>
-          <p:nvPr/>
-        </p:nvPicPr>
-        <p:blipFill>
-          <a:blip r:embed="rId3">
-            <a:extLst>
-              <a:ext uri="{28A0092B-C50C-407E-A947-70E740481C1C}">
-                <a14:useLocalDpi xmlns:a14="http://schemas.microsoft.com/office/drawing/2010/main" val="0"/>
-              </a:ext>
-            </a:extLst>
-          </a:blip>
-          <a:stretch>
-            <a:fillRect/>
-          </a:stretch>
-        </p:blipFill>
-        <p:spPr>
-          <a:xfrm>
-            <a:off x="8370455" y="411335"/>
-            <a:ext cx="961436" cy="961436"/>
-          </a:xfrm>
-          <a:prstGeom prst="rect">
-            <a:avLst/>
-          </a:prstGeom>
-        </p:spPr>
-      </p:pic>
-      <p:sp>
-        <p:nvSpPr>
-          <p:cNvPr id="10" name="ZoneTexte 9">
-            <a:extLst>
-              <a:ext uri="{FF2B5EF4-FFF2-40B4-BE49-F238E27FC236}">
-                <a16:creationId xmlns:a16="http://schemas.microsoft.com/office/drawing/2014/main" id="{C68C26D5-4573-4442-A506-DECC7007FB3E}"/>
-              </a:ext>
-            </a:extLst>
-          </p:cNvPr>
-          <p:cNvSpPr txBox="1"/>
-          <p:nvPr/>
-        </p:nvSpPr>
-        <p:spPr>
-          <a:xfrm>
-            <a:off x="9177180" y="370311"/>
-            <a:ext cx="2563167" cy="1077218"/>
-          </a:xfrm>
-          <a:prstGeom prst="rect">
-            <a:avLst/>
-          </a:prstGeom>
-          <a:noFill/>
-        </p:spPr>
-        <p:txBody>
-          <a:bodyPr wrap="square" rtlCol="0">
-            <a:spAutoFit/>
-          </a:bodyPr>
-          <a:lstStyle/>
-          <a:p>
-            <a:pPr algn="ctr"/>
-            <a:r>
-              <a:rPr lang="fr-FR" sz="3200" dirty="0"/>
-              <a:t>Points importants</a:t>
-            </a:r>
-          </a:p>
-        </p:txBody>
-      </p:sp>
-      <p:sp>
-        <p:nvSpPr>
-          <p:cNvPr id="11" name="ZoneTexte 10">
-            <a:extLst>
-              <a:ext uri="{FF2B5EF4-FFF2-40B4-BE49-F238E27FC236}">
-                <a16:creationId xmlns:a16="http://schemas.microsoft.com/office/drawing/2014/main" id="{C792CC9B-3913-45E9-8107-E56A6863169B}"/>
-              </a:ext>
-            </a:extLst>
-          </p:cNvPr>
-          <p:cNvSpPr txBox="1"/>
-          <p:nvPr/>
-        </p:nvSpPr>
-        <p:spPr>
-          <a:xfrm>
-            <a:off x="8370455" y="1522286"/>
-            <a:ext cx="3479167" cy="2862322"/>
-          </a:xfrm>
-          <a:prstGeom prst="rect">
-            <a:avLst/>
-          </a:prstGeom>
-          <a:noFill/>
-        </p:spPr>
-        <p:txBody>
-          <a:bodyPr wrap="square" rtlCol="0">
-            <a:spAutoFit/>
-          </a:bodyPr>
-          <a:lstStyle/>
-          <a:p>
-            <a:pPr marL="285750" indent="-285750">
-              <a:buFontTx/>
-              <a:buChar char="-"/>
-            </a:pPr>
-            <a:r>
-              <a:rPr lang="fr-FR" dirty="0"/>
-              <a:t>Sait dans quel pays il veut partir</a:t>
-            </a:r>
-          </a:p>
-          <a:p>
-            <a:endParaRPr lang="fr-FR" dirty="0"/>
-          </a:p>
-          <a:p>
-            <a:pPr marL="285750" indent="-285750">
-              <a:buFontTx/>
-              <a:buChar char="-"/>
-            </a:pPr>
-            <a:r>
-              <a:rPr lang="fr-FR" dirty="0"/>
-              <a:t>Sait dans quel secteur il veut faire son stage</a:t>
-            </a:r>
-          </a:p>
-          <a:p>
-            <a:endParaRPr lang="fr-FR" dirty="0"/>
-          </a:p>
-          <a:p>
-            <a:pPr marL="285750" indent="-285750">
-              <a:buFontTx/>
-              <a:buChar char="-"/>
-            </a:pPr>
-            <a:r>
-              <a:rPr lang="fr-FR" dirty="0"/>
-              <a:t>Connaitre les opportunités d’embauche</a:t>
-            </a:r>
-          </a:p>
-          <a:p>
-            <a:endParaRPr lang="fr-FR" dirty="0"/>
-          </a:p>
-          <a:p>
-            <a:pPr marL="285750" indent="-285750">
-              <a:buFontTx/>
-              <a:buChar char="-"/>
-            </a:pPr>
-            <a:r>
-              <a:rPr lang="fr-FR" dirty="0"/>
-              <a:t>Trouver un logement partenaire</a:t>
-            </a:r>
-          </a:p>
-          <a:p>
-            <a:endParaRPr lang="fr-FR" dirty="0"/>
-          </a:p>
-        </p:txBody>
-      </p:sp>
-      <p:pic>
-        <p:nvPicPr>
-          <p:cNvPr id="12" name="Image 11">
-            <a:extLst>
-              <a:ext uri="{FF2B5EF4-FFF2-40B4-BE49-F238E27FC236}">
-                <a16:creationId xmlns:a16="http://schemas.microsoft.com/office/drawing/2014/main" id="{4723D738-A03A-4FC5-8484-84F64F416BC3}"/>
-              </a:ext>
-            </a:extLst>
-          </p:cNvPr>
-          <p:cNvPicPr>
-            <a:picLocks noChangeAspect="1"/>
-          </p:cNvPicPr>
-          <p:nvPr/>
-        </p:nvPicPr>
-        <p:blipFill rotWithShape="1">
-          <a:blip r:embed="rId4"/>
-          <a:srcRect l="3327" r="50000"/>
-          <a:stretch/>
-        </p:blipFill>
-        <p:spPr>
-          <a:xfrm>
-            <a:off x="267070" y="235524"/>
-            <a:ext cx="3310554" cy="5104977"/>
-          </a:xfrm>
-          <a:prstGeom prst="rect">
-            <a:avLst/>
-          </a:prstGeom>
-        </p:spPr>
-      </p:pic>
-    </p:spTree>
-    <p:extLst>
-      <p:ext uri="{BB962C8B-B14F-4D97-AF65-F5344CB8AC3E}">
-        <p14:creationId xmlns:p14="http://schemas.microsoft.com/office/powerpoint/2010/main" val="1619775920"/>
-      </p:ext>
-    </p:extLst>
-  </p:cSld>
-  <p:clrMapOvr>
-    <a:masterClrMapping/>
-  </p:clrMapOvr>
-</p:sld>
-</file>
-
-<file path=ppt/slides/slide2.xml><?xml version="1.0" encoding="utf-8"?>
-<p:sld xmlns:a="http://schemas.openxmlformats.org/drawingml/2006/main" xmlns:r="http://schemas.openxmlformats.org/officeDocument/2006/relationships" xmlns:p="http://schemas.openxmlformats.org/presentationml/2006/main">
-  <p:cSld>
-    <p:spTree>
-      <p:nvGrpSpPr>
-        <p:cNvPr id="1" name=""/>
-        <p:cNvGrpSpPr/>
-        <p:nvPr/>
-      </p:nvGrpSpPr>
-      <p:grpSpPr>
-        <a:xfrm>
-          <a:off x="0" y="0"/>
-          <a:ext cx="0" cy="0"/>
-          <a:chOff x="0" y="0"/>
-          <a:chExt cx="0" cy="0"/>
-        </a:xfrm>
-      </p:grpSpPr>
-      <p:sp>
-        <p:nvSpPr>
           <p:cNvPr id="19" name="Rectangle 18">
             <a:extLst>
               <a:ext uri="{FF2B5EF4-FFF2-40B4-BE49-F238E27FC236}">
@@ -4080,7 +3693,7 @@
             <a:pPr algn="l"/>
             <a:r>
               <a:rPr lang="fr-FR" sz="2400" dirty="0"/>
-              <a:t>Etudiant Si5 Spécialité IHM</a:t>
+              <a:t>Etudiant SI3 Spécialité SSI</a:t>
             </a:r>
           </a:p>
         </p:txBody>
@@ -4320,6 +3933,509 @@
     <p:extLst>
       <p:ext uri="{BB962C8B-B14F-4D97-AF65-F5344CB8AC3E}">
         <p14:creationId xmlns:p14="http://schemas.microsoft.com/office/powerpoint/2010/main" val="3882320921"/>
+      </p:ext>
+    </p:extLst>
+  </p:cSld>
+  <p:clrMapOvr>
+    <a:masterClrMapping/>
+  </p:clrMapOvr>
+</p:sld>
+</file>
+
+<file path=ppt/slides/slide2.xml><?xml version="1.0" encoding="utf-8"?>
+<p:sld xmlns:a="http://schemas.openxmlformats.org/drawingml/2006/main" xmlns:r="http://schemas.openxmlformats.org/officeDocument/2006/relationships" xmlns:p="http://schemas.openxmlformats.org/presentationml/2006/main">
+  <p:cSld>
+    <p:spTree>
+      <p:nvGrpSpPr>
+        <p:cNvPr id="1" name=""/>
+        <p:cNvGrpSpPr/>
+        <p:nvPr/>
+      </p:nvGrpSpPr>
+      <p:grpSpPr>
+        <a:xfrm>
+          <a:off x="0" y="0"/>
+          <a:ext cx="0" cy="0"/>
+          <a:chOff x="0" y="0"/>
+          <a:chExt cx="0" cy="0"/>
+        </a:xfrm>
+      </p:grpSpPr>
+      <p:sp>
+        <p:nvSpPr>
+          <p:cNvPr id="4" name="Rectangle 3">
+            <a:extLst>
+              <a:ext uri="{FF2B5EF4-FFF2-40B4-BE49-F238E27FC236}">
+                <a16:creationId xmlns:a16="http://schemas.microsoft.com/office/drawing/2014/main" id="{0424E1FC-1C07-461E-952F-B0D86B727472}"/>
+              </a:ext>
+            </a:extLst>
+          </p:cNvPr>
+          <p:cNvSpPr/>
+          <p:nvPr/>
+        </p:nvSpPr>
+        <p:spPr>
+          <a:xfrm>
+            <a:off x="8357322" y="178481"/>
+            <a:ext cx="3554475" cy="5094539"/>
+          </a:xfrm>
+          <a:prstGeom prst="rect">
+            <a:avLst/>
+          </a:prstGeom>
+          <a:solidFill>
+            <a:schemeClr val="bg1">
+              <a:lumMod val="95000"/>
+            </a:schemeClr>
+          </a:solidFill>
+          <a:ln>
+            <a:noFill/>
+          </a:ln>
+        </p:spPr>
+        <p:style>
+          <a:lnRef idx="2">
+            <a:schemeClr val="accent1">
+              <a:shade val="50000"/>
+            </a:schemeClr>
+          </a:lnRef>
+          <a:fillRef idx="1">
+            <a:schemeClr val="accent1"/>
+          </a:fillRef>
+          <a:effectRef idx="0">
+            <a:schemeClr val="accent1"/>
+          </a:effectRef>
+          <a:fontRef idx="minor">
+            <a:schemeClr val="lt1"/>
+          </a:fontRef>
+        </p:style>
+        <p:txBody>
+          <a:bodyPr rtlCol="0" anchor="ctr"/>
+          <a:lstStyle/>
+          <a:p>
+            <a:pPr algn="ctr"/>
+            <a:endParaRPr lang="fr-FR"/>
+          </a:p>
+        </p:txBody>
+      </p:sp>
+      <p:pic>
+        <p:nvPicPr>
+          <p:cNvPr id="5" name="Image 4">
+            <a:extLst>
+              <a:ext uri="{FF2B5EF4-FFF2-40B4-BE49-F238E27FC236}">
+                <a16:creationId xmlns:a16="http://schemas.microsoft.com/office/drawing/2014/main" id="{E18F5917-7530-4FFC-9FB6-809C68A3CAF5}"/>
+              </a:ext>
+            </a:extLst>
+          </p:cNvPr>
+          <p:cNvPicPr>
+            <a:picLocks noChangeAspect="1"/>
+          </p:cNvPicPr>
+          <p:nvPr/>
+        </p:nvPicPr>
+        <p:blipFill>
+          <a:blip r:embed="rId3">
+            <a:extLst>
+              <a:ext uri="{28A0092B-C50C-407E-A947-70E740481C1C}">
+                <a14:useLocalDpi xmlns:a14="http://schemas.microsoft.com/office/drawing/2010/main" val="0"/>
+              </a:ext>
+            </a:extLst>
+          </a:blip>
+          <a:stretch>
+            <a:fillRect/>
+          </a:stretch>
+        </p:blipFill>
+        <p:spPr>
+          <a:xfrm>
+            <a:off x="267069" y="235525"/>
+            <a:ext cx="3310555" cy="5094539"/>
+          </a:xfrm>
+          <a:prstGeom prst="rect">
+            <a:avLst/>
+          </a:prstGeom>
+        </p:spPr>
+      </p:pic>
+      <p:sp>
+        <p:nvSpPr>
+          <p:cNvPr id="6" name="Titre 1">
+            <a:extLst>
+              <a:ext uri="{FF2B5EF4-FFF2-40B4-BE49-F238E27FC236}">
+                <a16:creationId xmlns:a16="http://schemas.microsoft.com/office/drawing/2014/main" id="{88F28153-99CB-4608-8C04-3CA7541CAD86}"/>
+              </a:ext>
+            </a:extLst>
+          </p:cNvPr>
+          <p:cNvSpPr txBox="1">
+            <a:spLocks/>
+          </p:cNvSpPr>
+          <p:nvPr/>
+        </p:nvSpPr>
+        <p:spPr>
+          <a:xfrm>
+            <a:off x="3656611" y="239889"/>
+            <a:ext cx="7837117" cy="714583"/>
+          </a:xfrm>
+          <a:prstGeom prst="rect">
+            <a:avLst/>
+          </a:prstGeom>
+        </p:spPr>
+        <p:txBody>
+          <a:bodyPr vert="horz" lIns="91440" tIns="45720" rIns="91440" bIns="45720" rtlCol="0" anchor="ctr">
+            <a:normAutofit fontScale="97500"/>
+          </a:bodyPr>
+          <a:lstStyle>
+            <a:lvl1pPr algn="l" defTabSz="816011" rtl="0" eaLnBrk="1" latinLnBrk="0" hangingPunct="1">
+              <a:lnSpc>
+                <a:spcPct val="90000"/>
+              </a:lnSpc>
+              <a:spcBef>
+                <a:spcPct val="0"/>
+              </a:spcBef>
+              <a:buNone/>
+              <a:defRPr sz="3927" kern="1200">
+                <a:solidFill>
+                  <a:schemeClr val="tx1"/>
+                </a:solidFill>
+                <a:latin typeface="+mj-lt"/>
+                <a:ea typeface="+mj-ea"/>
+                <a:cs typeface="+mj-cs"/>
+              </a:defRPr>
+            </a:lvl1pPr>
+          </a:lstStyle>
+          <a:p>
+            <a:r>
+              <a:rPr lang="fr-FR" sz="3600" dirty="0"/>
+              <a:t>Zaki</a:t>
+            </a:r>
+            <a:endParaRPr lang="fr-FR" sz="3800" dirty="0"/>
+          </a:p>
+        </p:txBody>
+      </p:sp>
+      <p:sp>
+        <p:nvSpPr>
+          <p:cNvPr id="7" name="Titre 1">
+            <a:extLst>
+              <a:ext uri="{FF2B5EF4-FFF2-40B4-BE49-F238E27FC236}">
+                <a16:creationId xmlns:a16="http://schemas.microsoft.com/office/drawing/2014/main" id="{E552DF65-B5EE-496E-9641-D5DF85E1E7AC}"/>
+              </a:ext>
+            </a:extLst>
+          </p:cNvPr>
+          <p:cNvSpPr txBox="1">
+            <a:spLocks/>
+          </p:cNvSpPr>
+          <p:nvPr/>
+        </p:nvSpPr>
+        <p:spPr>
+          <a:xfrm>
+            <a:off x="3668041" y="492274"/>
+            <a:ext cx="7837117" cy="714583"/>
+          </a:xfrm>
+          <a:prstGeom prst="rect">
+            <a:avLst/>
+          </a:prstGeom>
+        </p:spPr>
+        <p:txBody>
+          <a:bodyPr vert="horz" lIns="91440" tIns="45720" rIns="91440" bIns="45720" rtlCol="0" anchor="b">
+            <a:normAutofit fontScale="97500"/>
+          </a:bodyPr>
+          <a:lstStyle>
+            <a:lvl1pPr algn="ctr" defTabSz="816011" rtl="0" eaLnBrk="1" latinLnBrk="0" hangingPunct="1">
+              <a:lnSpc>
+                <a:spcPct val="90000"/>
+              </a:lnSpc>
+              <a:spcBef>
+                <a:spcPct val="0"/>
+              </a:spcBef>
+              <a:buNone/>
+              <a:defRPr sz="5354" kern="1200">
+                <a:solidFill>
+                  <a:schemeClr val="tx1"/>
+                </a:solidFill>
+                <a:latin typeface="+mj-lt"/>
+                <a:ea typeface="+mj-ea"/>
+                <a:cs typeface="+mj-cs"/>
+              </a:defRPr>
+            </a:lvl1pPr>
+          </a:lstStyle>
+          <a:p>
+            <a:pPr algn="l"/>
+            <a:r>
+              <a:rPr lang="fr-FR" sz="2400" dirty="0"/>
+              <a:t>Etudiant Si5 Spécialité CASPAR</a:t>
+            </a:r>
+          </a:p>
+        </p:txBody>
+      </p:sp>
+      <p:sp>
+        <p:nvSpPr>
+          <p:cNvPr id="8" name="ZoneTexte 7">
+            <a:extLst>
+              <a:ext uri="{FF2B5EF4-FFF2-40B4-BE49-F238E27FC236}">
+                <a16:creationId xmlns:a16="http://schemas.microsoft.com/office/drawing/2014/main" id="{219244D1-BD82-4C69-9DCB-7F9A082E2972}"/>
+              </a:ext>
+            </a:extLst>
+          </p:cNvPr>
+          <p:cNvSpPr txBox="1"/>
+          <p:nvPr/>
+        </p:nvSpPr>
+        <p:spPr>
+          <a:xfrm>
+            <a:off x="3668041" y="1241147"/>
+            <a:ext cx="4703437" cy="4031873"/>
+          </a:xfrm>
+          <a:prstGeom prst="rect">
+            <a:avLst/>
+          </a:prstGeom>
+          <a:noFill/>
+        </p:spPr>
+        <p:txBody>
+          <a:bodyPr wrap="square" rtlCol="0">
+            <a:spAutoFit/>
+          </a:bodyPr>
+          <a:lstStyle/>
+          <a:p>
+            <a:r>
+              <a:rPr lang="fr-FR" sz="1600" dirty="0"/>
+              <a:t>Besoins : </a:t>
+            </a:r>
+          </a:p>
+          <a:p>
+            <a:r>
+              <a:rPr lang="fr-FR" sz="1600" dirty="0"/>
+              <a:t>	- Trouver un stage à l’étranger de fin d’étude, peut être en Thaïlande.</a:t>
+            </a:r>
+          </a:p>
+          <a:p>
+            <a:endParaRPr lang="fr-FR" sz="1600" dirty="0"/>
+          </a:p>
+          <a:p>
+            <a:r>
+              <a:rPr lang="fr-FR" sz="1600" dirty="0"/>
+              <a:t>	- Il aimerait savoir si l’entreprise où il va faire son stage cherche à embaucher par la suite</a:t>
+            </a:r>
+          </a:p>
+          <a:p>
+            <a:endParaRPr lang="fr-FR" sz="1600" dirty="0"/>
+          </a:p>
+          <a:p>
+            <a:r>
+              <a:rPr lang="fr-FR" sz="1600" dirty="0"/>
+              <a:t>	- Il aimerait savoir si il est facile d’obtenir un visa avant de choisir définitivement son stage</a:t>
+            </a:r>
+          </a:p>
+          <a:p>
+            <a:endParaRPr lang="fr-FR" sz="1600" dirty="0"/>
+          </a:p>
+          <a:p>
+            <a:r>
+              <a:rPr lang="fr-FR" sz="1600" dirty="0"/>
+              <a:t>	- Savoir quels sont les étudiants qui sont déjà partis dans une entreprise, avoir leurs témoignages ainsi que pouvoir les contacter. </a:t>
+            </a:r>
+          </a:p>
+          <a:p>
+            <a:endParaRPr lang="fr-FR" sz="1600" dirty="0"/>
+          </a:p>
+          <a:p>
+            <a:r>
+              <a:rPr lang="fr-FR" sz="1600" dirty="0"/>
+              <a:t>	- Trouver un logement partenaire dans son futur pays d’étude</a:t>
+            </a:r>
+          </a:p>
+        </p:txBody>
+      </p:sp>
+      <p:pic>
+        <p:nvPicPr>
+          <p:cNvPr id="9" name="Image 8">
+            <a:extLst>
+              <a:ext uri="{FF2B5EF4-FFF2-40B4-BE49-F238E27FC236}">
+                <a16:creationId xmlns:a16="http://schemas.microsoft.com/office/drawing/2014/main" id="{13FAA078-C8B6-4A13-A4CA-C2092CEA517F}"/>
+              </a:ext>
+            </a:extLst>
+          </p:cNvPr>
+          <p:cNvPicPr>
+            <a:picLocks noChangeAspect="1"/>
+          </p:cNvPicPr>
+          <p:nvPr/>
+        </p:nvPicPr>
+        <p:blipFill>
+          <a:blip r:embed="rId4">
+            <a:extLst>
+              <a:ext uri="{28A0092B-C50C-407E-A947-70E740481C1C}">
+                <a14:useLocalDpi xmlns:a14="http://schemas.microsoft.com/office/drawing/2010/main" val="0"/>
+              </a:ext>
+            </a:extLst>
+          </a:blip>
+          <a:stretch>
+            <a:fillRect/>
+          </a:stretch>
+        </p:blipFill>
+        <p:spPr>
+          <a:xfrm>
+            <a:off x="8541905" y="411335"/>
+            <a:ext cx="961436" cy="961436"/>
+          </a:xfrm>
+          <a:prstGeom prst="rect">
+            <a:avLst/>
+          </a:prstGeom>
+        </p:spPr>
+      </p:pic>
+      <p:sp>
+        <p:nvSpPr>
+          <p:cNvPr id="10" name="ZoneTexte 9">
+            <a:extLst>
+              <a:ext uri="{FF2B5EF4-FFF2-40B4-BE49-F238E27FC236}">
+                <a16:creationId xmlns:a16="http://schemas.microsoft.com/office/drawing/2014/main" id="{C68C26D5-4573-4442-A506-DECC7007FB3E}"/>
+              </a:ext>
+            </a:extLst>
+          </p:cNvPr>
+          <p:cNvSpPr txBox="1"/>
+          <p:nvPr/>
+        </p:nvSpPr>
+        <p:spPr>
+          <a:xfrm>
+            <a:off x="9348630" y="370311"/>
+            <a:ext cx="2563167" cy="1077218"/>
+          </a:xfrm>
+          <a:prstGeom prst="rect">
+            <a:avLst/>
+          </a:prstGeom>
+          <a:noFill/>
+        </p:spPr>
+        <p:txBody>
+          <a:bodyPr wrap="square" rtlCol="0">
+            <a:spAutoFit/>
+          </a:bodyPr>
+          <a:lstStyle/>
+          <a:p>
+            <a:pPr algn="ctr"/>
+            <a:r>
+              <a:rPr lang="fr-FR" sz="3200" dirty="0"/>
+              <a:t>Points importants</a:t>
+            </a:r>
+          </a:p>
+        </p:txBody>
+      </p:sp>
+      <p:sp>
+        <p:nvSpPr>
+          <p:cNvPr id="11" name="ZoneTexte 10">
+            <a:extLst>
+              <a:ext uri="{FF2B5EF4-FFF2-40B4-BE49-F238E27FC236}">
+                <a16:creationId xmlns:a16="http://schemas.microsoft.com/office/drawing/2014/main" id="{C792CC9B-3913-45E9-8107-E56A6863169B}"/>
+              </a:ext>
+            </a:extLst>
+          </p:cNvPr>
+          <p:cNvSpPr txBox="1"/>
+          <p:nvPr/>
+        </p:nvSpPr>
+        <p:spPr>
+          <a:xfrm>
+            <a:off x="8450465" y="1705166"/>
+            <a:ext cx="3479167" cy="2800767"/>
+          </a:xfrm>
+          <a:prstGeom prst="rect">
+            <a:avLst/>
+          </a:prstGeom>
+          <a:noFill/>
+        </p:spPr>
+        <p:txBody>
+          <a:bodyPr wrap="square" rtlCol="0">
+            <a:spAutoFit/>
+          </a:bodyPr>
+          <a:lstStyle/>
+          <a:p>
+            <a:pPr marL="285750" indent="-285750">
+              <a:buFontTx/>
+              <a:buChar char="-"/>
+            </a:pPr>
+            <a:r>
+              <a:rPr lang="fr-FR" sz="1600" dirty="0"/>
+              <a:t>Sait dans quel pays il veut partir</a:t>
+            </a:r>
+          </a:p>
+          <a:p>
+            <a:endParaRPr lang="fr-FR" sz="1600" dirty="0"/>
+          </a:p>
+          <a:p>
+            <a:pPr marL="285750" indent="-285750">
+              <a:buFontTx/>
+              <a:buChar char="-"/>
+            </a:pPr>
+            <a:r>
+              <a:rPr lang="fr-FR" sz="1600" dirty="0"/>
+              <a:t>Souhaite :</a:t>
+            </a:r>
+          </a:p>
+          <a:p>
+            <a:pPr marL="742950" lvl="1" indent="-285750">
+              <a:buFontTx/>
+              <a:buChar char="-"/>
+            </a:pPr>
+            <a:r>
+              <a:rPr lang="fr-FR" sz="1600" dirty="0"/>
+              <a:t>Connaître les opportunités d’embauche de l’entreprise</a:t>
+            </a:r>
+          </a:p>
+          <a:p>
+            <a:pPr marL="742950" lvl="1" indent="-285750">
+              <a:buFontTx/>
+              <a:buChar char="-"/>
+            </a:pPr>
+            <a:r>
+              <a:rPr lang="fr-FR" sz="1600" dirty="0"/>
+              <a:t>La facilité d’avoir un visa</a:t>
+            </a:r>
+          </a:p>
+          <a:p>
+            <a:pPr marL="742950" lvl="1" indent="-285750">
+              <a:buFontTx/>
+              <a:buChar char="-"/>
+            </a:pPr>
+            <a:r>
+              <a:rPr lang="fr-FR" sz="1600" dirty="0"/>
+              <a:t>Savoir quels étudiants sont partit là bas</a:t>
+            </a:r>
+          </a:p>
+          <a:p>
+            <a:pPr marL="742950" lvl="1" indent="-285750">
+              <a:buFontTx/>
+              <a:buChar char="-"/>
+            </a:pPr>
+            <a:r>
+              <a:rPr lang="fr-FR" sz="1600" dirty="0"/>
+              <a:t>Trouver un logements partenaire</a:t>
+            </a:r>
+          </a:p>
+          <a:p>
+            <a:endParaRPr lang="fr-FR" sz="1600" dirty="0"/>
+          </a:p>
+        </p:txBody>
+      </p:sp>
+      <p:pic>
+        <p:nvPicPr>
+          <p:cNvPr id="12" name="Image 11">
+            <a:extLst>
+              <a:ext uri="{FF2B5EF4-FFF2-40B4-BE49-F238E27FC236}">
+                <a16:creationId xmlns:a16="http://schemas.microsoft.com/office/drawing/2014/main" id="{4723D738-A03A-4FC5-8484-84F64F416BC3}"/>
+              </a:ext>
+            </a:extLst>
+          </p:cNvPr>
+          <p:cNvPicPr>
+            <a:picLocks noChangeAspect="1"/>
+          </p:cNvPicPr>
+          <p:nvPr/>
+        </p:nvPicPr>
+        <p:blipFill rotWithShape="1">
+          <a:blip r:embed="rId5"/>
+          <a:srcRect l="3327" r="50000"/>
+          <a:stretch/>
+        </p:blipFill>
+        <p:spPr>
+          <a:xfrm>
+            <a:off x="267070" y="235524"/>
+            <a:ext cx="3310554" cy="5104977"/>
+          </a:xfrm>
+          <a:prstGeom prst="rect">
+            <a:avLst/>
+          </a:prstGeom>
+        </p:spPr>
+      </p:pic>
+    </p:spTree>
+    <p:extLst>
+      <p:ext uri="{BB962C8B-B14F-4D97-AF65-F5344CB8AC3E}">
+        <p14:creationId xmlns:p14="http://schemas.microsoft.com/office/powerpoint/2010/main" val="1619775920"/>
       </p:ext>
     </p:extLst>
   </p:cSld>
